--- a/doc/abschlusspraesentation/MeInfPro_Abschlusspräsentation_watch.pptx
+++ b/doc/abschlusspraesentation/MeInfPro_Abschlusspräsentation_watch.pptx
@@ -18,7 +18,7 @@
     <p:sldId id="283" r:id="rId6"/>
     <p:sldId id="272" r:id="rId7"/>
     <p:sldId id="271" r:id="rId8"/>
-    <p:sldId id="273" r:id="rId9"/>
+    <p:sldId id="290" r:id="rId9"/>
     <p:sldId id="289" r:id="rId10"/>
     <p:sldId id="284" r:id="rId11"/>
     <p:sldId id="274" r:id="rId12"/>
@@ -152,7 +152,7 @@
             <p14:sldId id="283"/>
             <p14:sldId id="272"/>
             <p14:sldId id="271"/>
-            <p14:sldId id="273"/>
+            <p14:sldId id="290"/>
             <p14:sldId id="289"/>
           </p14:sldIdLst>
         </p14:section>
@@ -272,7 +272,7 @@
           <a:p>
             <a:fld id="{C6AC6211-610F-44E5-BF19-D3CDF6EDD281}" type="datetimeFigureOut">
               <a:rPr lang="de-DE" smtClean="0"/>
-              <a:t>29.01.24</a:t>
+              <a:t>30.01.24</a:t>
             </a:fld>
             <a:endParaRPr lang="de-DE"/>
           </a:p>
@@ -438,7 +438,7 @@
           <a:p>
             <a:fld id="{347435D3-23A6-45D3-8DFA-7317DC1E7A64}" type="datetimeFigureOut">
               <a:rPr lang="de-DE" smtClean="0"/>
-              <a:t>29.01.24</a:t>
+              <a:t>30.01.24</a:t>
             </a:fld>
             <a:endParaRPr lang="de-DE"/>
           </a:p>
@@ -5349,22 +5349,345 @@
             <p:ph sz="quarter" idx="10"/>
           </p:nvPr>
         </p:nvSpPr>
-        <p:spPr/>
+        <p:spPr>
+          <a:xfrm>
+            <a:off x="385763" y="1484313"/>
+            <a:ext cx="5173373" cy="4249738"/>
+          </a:xfrm>
+        </p:spPr>
         <p:txBody>
           <a:bodyPr/>
           <a:lstStyle/>
           <a:p>
             <a:r>
-              <a:rPr lang="de-DE" dirty="0"/>
-              <a:t>Inhalt</a:t>
-            </a:r>
-          </a:p>
-        </p:txBody>
-      </p:sp>
+              <a:rPr lang="de-DE" b="1" dirty="0"/>
+              <a:t>Phase 1</a:t>
+            </a:r>
+          </a:p>
+          <a:p>
+            <a:pPr marL="285750" indent="-285750">
+              <a:buFont typeface="Symbol" pitchFamily="2" charset="2"/>
+              <a:buChar char="-"/>
+            </a:pPr>
+            <a:r>
+              <a:rPr lang="de-DE" dirty="0"/>
+              <a:t>Tizen Studio kennenlernen</a:t>
+            </a:r>
+          </a:p>
+          <a:p>
+            <a:pPr marL="285750" indent="-285750">
+              <a:buFont typeface="Wingdings" pitchFamily="2" charset="2"/>
+              <a:buChar char="v"/>
+            </a:pPr>
+            <a:r>
+              <a:rPr lang="de-DE" dirty="0"/>
+              <a:t>Erkenntnis: „Quasi eine Website“</a:t>
+            </a:r>
+          </a:p>
+          <a:p>
+            <a:r>
+              <a:rPr lang="de-DE" b="1" dirty="0"/>
+              <a:t>Phase 2</a:t>
+            </a:r>
+          </a:p>
+          <a:p>
+            <a:pPr marL="285750" indent="-285750">
+              <a:buFont typeface="Symbol" pitchFamily="2" charset="2"/>
+              <a:buChar char="-"/>
+            </a:pPr>
+            <a:r>
+              <a:rPr lang="de-DE" dirty="0"/>
+              <a:t>App als  </a:t>
+            </a:r>
+            <a:r>
+              <a:rPr lang="de-DE" dirty="0" err="1"/>
+              <a:t>OnePager</a:t>
+            </a:r>
+            <a:r>
+              <a:rPr lang="de-DE" dirty="0"/>
+              <a:t> </a:t>
+            </a:r>
+          </a:p>
+          <a:p>
+            <a:pPr marL="285750" indent="-285750">
+              <a:buFont typeface="Wingdings" pitchFamily="2" charset="2"/>
+              <a:buChar char="v"/>
+            </a:pPr>
+            <a:r>
+              <a:rPr lang="de-DE" dirty="0"/>
+              <a:t>Erkenntnis: „</a:t>
+            </a:r>
+            <a:r>
+              <a:rPr lang="de-DE" dirty="0" err="1"/>
+              <a:t>Bezelrotation</a:t>
+            </a:r>
+            <a:r>
+              <a:rPr lang="de-DE" dirty="0"/>
+              <a:t> an </a:t>
+            </a:r>
+            <a:r>
+              <a:rPr lang="de-DE" dirty="0" err="1"/>
+              <a:t>sectionchange</a:t>
+            </a:r>
+            <a:r>
+              <a:rPr lang="de-DE" dirty="0"/>
+              <a:t> gebunden“ </a:t>
+            </a:r>
+          </a:p>
+          <a:p>
+            <a:r>
+              <a:rPr lang="de-DE" b="1" dirty="0"/>
+              <a:t>Phase 3 </a:t>
+            </a:r>
+          </a:p>
+          <a:p>
+            <a:pPr marL="285750" indent="-285750">
+              <a:buFont typeface="Symbol" pitchFamily="2" charset="2"/>
+              <a:buChar char="-"/>
+            </a:pPr>
+            <a:r>
+              <a:rPr lang="de-DE" dirty="0"/>
+              <a:t>Multipage App </a:t>
+            </a:r>
+          </a:p>
+          <a:p>
+            <a:r>
+              <a:rPr lang="de-DE" b="1" dirty="0"/>
+              <a:t>Herausforderungen: </a:t>
+            </a:r>
+          </a:p>
+          <a:p>
+            <a:pPr marL="285750" indent="-285750">
+              <a:buFont typeface="Symbol" pitchFamily="2" charset="2"/>
+              <a:buChar char="-"/>
+            </a:pPr>
+            <a:r>
+              <a:rPr lang="de-DE" dirty="0"/>
+              <a:t>Websocket Kommunikation</a:t>
+            </a:r>
+          </a:p>
+          <a:p>
+            <a:pPr marL="285750" indent="-285750">
+              <a:buFont typeface="Symbol" pitchFamily="2" charset="2"/>
+              <a:buChar char="-"/>
+            </a:pPr>
+            <a:r>
+              <a:rPr lang="de-DE" dirty="0"/>
+              <a:t>Jede Menge klein …</a:t>
+            </a:r>
+          </a:p>
+          <a:p>
+            <a:endParaRPr lang="de-DE" b="1" dirty="0"/>
+          </a:p>
+        </p:txBody>
+      </p:sp>
+      <p:sp>
+        <p:nvSpPr>
+          <p:cNvPr id="2" name="Bildplatzhalter 3">
+            <a:extLst>
+              <a:ext uri="{FF2B5EF4-FFF2-40B4-BE49-F238E27FC236}">
+                <a16:creationId xmlns:a16="http://schemas.microsoft.com/office/drawing/2014/main" id="{4B1F093C-9061-0AA3-8DBD-49C145838524}"/>
+              </a:ext>
+            </a:extLst>
+          </p:cNvPr>
+          <p:cNvSpPr txBox="1">
+            <a:spLocks/>
+          </p:cNvSpPr>
+          <p:nvPr/>
+        </p:nvSpPr>
+        <p:spPr>
+          <a:xfrm>
+            <a:off x="5818909" y="1484313"/>
+            <a:ext cx="2940056" cy="4249738"/>
+          </a:xfrm>
+          <a:prstGeom prst="rect">
+            <a:avLst/>
+          </a:prstGeom>
+        </p:spPr>
+        <p:txBody>
+          <a:bodyPr/>
+          <a:lstStyle>
+            <a:lvl1pPr marL="0" indent="0" algn="l" defTabSz="914400" rtl="0" eaLnBrk="1" latinLnBrk="0" hangingPunct="1">
+              <a:spcBef>
+                <a:spcPts val="600"/>
+              </a:spcBef>
+              <a:buFont typeface="Arial" panose="020B0604020202020204" pitchFamily="34" charset="0"/>
+              <a:buNone/>
+              <a:defRPr sz="1600" kern="1200">
+                <a:solidFill>
+                  <a:schemeClr val="tx2"/>
+                </a:solidFill>
+                <a:latin typeface="Open Sans" panose="020B0606030504020204" pitchFamily="34" charset="0"/>
+                <a:ea typeface="+mn-ea"/>
+                <a:cs typeface="+mn-cs"/>
+              </a:defRPr>
+            </a:lvl1pPr>
+            <a:lvl2pPr marL="396000" indent="-324000" algn="l" defTabSz="914400" rtl="0" eaLnBrk="1" latinLnBrk="0" hangingPunct="1">
+              <a:spcBef>
+                <a:spcPts val="300"/>
+              </a:spcBef>
+              <a:buFont typeface="Open Sans" panose="020B0606030504020204" pitchFamily="34" charset="0"/>
+              <a:buChar char="—"/>
+              <a:defRPr sz="1600" kern="1200">
+                <a:solidFill>
+                  <a:schemeClr val="tx2"/>
+                </a:solidFill>
+                <a:latin typeface="Open Sans" panose="020B0606030504020204" pitchFamily="34" charset="0"/>
+                <a:ea typeface="+mn-ea"/>
+                <a:cs typeface="+mn-cs"/>
+              </a:defRPr>
+            </a:lvl2pPr>
+            <a:lvl3pPr marL="0" indent="0" algn="l" defTabSz="914400" rtl="0" eaLnBrk="1" latinLnBrk="0" hangingPunct="1">
+              <a:spcBef>
+                <a:spcPts val="600"/>
+              </a:spcBef>
+              <a:buFont typeface="Arial" panose="020B0604020202020204" pitchFamily="34" charset="0"/>
+              <a:buNone/>
+              <a:defRPr sz="1400" kern="1200">
+                <a:solidFill>
+                  <a:schemeClr val="tx2"/>
+                </a:solidFill>
+                <a:latin typeface="Open Sans" panose="020B0606030504020204" pitchFamily="34" charset="0"/>
+                <a:ea typeface="+mn-ea"/>
+                <a:cs typeface="+mn-cs"/>
+              </a:defRPr>
+            </a:lvl3pPr>
+            <a:lvl4pPr marL="396000" indent="-216000" algn="l" defTabSz="914400" rtl="0" eaLnBrk="1" latinLnBrk="0" hangingPunct="1">
+              <a:spcBef>
+                <a:spcPts val="300"/>
+              </a:spcBef>
+              <a:buFont typeface="Symbol" panose="05050102010706020507" pitchFamily="18" charset="2"/>
+              <a:buChar char="-"/>
+              <a:defRPr sz="1400" kern="1200">
+                <a:solidFill>
+                  <a:schemeClr val="tx2"/>
+                </a:solidFill>
+                <a:latin typeface="Open Sans" panose="020B0606030504020204" pitchFamily="34" charset="0"/>
+                <a:ea typeface="+mn-ea"/>
+                <a:cs typeface="+mn-cs"/>
+              </a:defRPr>
+            </a:lvl4pPr>
+            <a:lvl5pPr marL="576000" indent="-179388" algn="l" defTabSz="914400" rtl="0" eaLnBrk="1" latinLnBrk="0" hangingPunct="1">
+              <a:spcBef>
+                <a:spcPts val="300"/>
+              </a:spcBef>
+              <a:buFont typeface="Symbol" panose="05050102010706020507" pitchFamily="18" charset="2"/>
+              <a:buChar char="-"/>
+              <a:defRPr sz="1400" kern="1200" baseline="0">
+                <a:solidFill>
+                  <a:schemeClr val="tx2"/>
+                </a:solidFill>
+                <a:latin typeface="Open Sans" panose="020B0606030504020204" pitchFamily="34" charset="0"/>
+                <a:ea typeface="+mn-ea"/>
+                <a:cs typeface="+mn-cs"/>
+              </a:defRPr>
+            </a:lvl5pPr>
+            <a:lvl6pPr marL="358775" indent="0" algn="l" defTabSz="914400" rtl="0" eaLnBrk="1" latinLnBrk="0" hangingPunct="1">
+              <a:spcBef>
+                <a:spcPts val="0"/>
+              </a:spcBef>
+              <a:buFont typeface="Arial" panose="020B0604020202020204" pitchFamily="34" charset="0"/>
+              <a:buNone/>
+              <a:defRPr sz="3200" b="1" kern="1200">
+                <a:solidFill>
+                  <a:schemeClr val="bg1"/>
+                </a:solidFill>
+                <a:latin typeface="+mn-lt"/>
+                <a:ea typeface="+mn-ea"/>
+                <a:cs typeface="+mn-cs"/>
+              </a:defRPr>
+            </a:lvl6pPr>
+            <a:lvl7pPr marL="358775" indent="0" algn="l" defTabSz="914400" rtl="0" eaLnBrk="1" latinLnBrk="0" hangingPunct="1">
+              <a:spcBef>
+                <a:spcPts val="0"/>
+              </a:spcBef>
+              <a:buFont typeface="Arial" panose="020B0604020202020204" pitchFamily="34" charset="0"/>
+              <a:buNone/>
+              <a:defRPr sz="3200" kern="1200">
+                <a:solidFill>
+                  <a:schemeClr val="bg1"/>
+                </a:solidFill>
+                <a:latin typeface="+mn-lt"/>
+                <a:ea typeface="+mn-ea"/>
+                <a:cs typeface="+mn-cs"/>
+              </a:defRPr>
+            </a:lvl7pPr>
+            <a:lvl8pPr marL="3429000" indent="-228600" algn="l" defTabSz="914400" rtl="0" eaLnBrk="1" latinLnBrk="0" hangingPunct="1">
+              <a:spcBef>
+                <a:spcPct val="20000"/>
+              </a:spcBef>
+              <a:buFont typeface="Arial" panose="020B0604020202020204" pitchFamily="34" charset="0"/>
+              <a:buChar char="•"/>
+              <a:defRPr sz="2000" kern="1200">
+                <a:solidFill>
+                  <a:schemeClr val="tx1"/>
+                </a:solidFill>
+                <a:latin typeface="+mn-lt"/>
+                <a:ea typeface="+mn-ea"/>
+                <a:cs typeface="+mn-cs"/>
+              </a:defRPr>
+            </a:lvl8pPr>
+            <a:lvl9pPr marL="3886200" indent="-228600" algn="l" defTabSz="914400" rtl="0" eaLnBrk="1" latinLnBrk="0" hangingPunct="1">
+              <a:spcBef>
+                <a:spcPct val="20000"/>
+              </a:spcBef>
+              <a:buFont typeface="Arial" panose="020B0604020202020204" pitchFamily="34" charset="0"/>
+              <a:buChar char="•"/>
+              <a:defRPr sz="2000" kern="1200">
+                <a:solidFill>
+                  <a:schemeClr val="tx1"/>
+                </a:solidFill>
+                <a:latin typeface="+mn-lt"/>
+                <a:ea typeface="+mn-ea"/>
+                <a:cs typeface="+mn-cs"/>
+              </a:defRPr>
+            </a:lvl9pPr>
+          </a:lstStyle>
+          <a:p>
+            <a:endParaRPr lang="de-DE" dirty="0"/>
+          </a:p>
+        </p:txBody>
+      </p:sp>
+      <p:pic>
+        <p:nvPicPr>
+          <p:cNvPr id="5" name="Grafik 4" descr="Ein Bild, das Text, Screenshot, Schrift, Dokument enthält.&#10;&#10;Automatisch generierte Beschreibung">
+            <a:extLst>
+              <a:ext uri="{FF2B5EF4-FFF2-40B4-BE49-F238E27FC236}">
+                <a16:creationId xmlns:a16="http://schemas.microsoft.com/office/drawing/2014/main" id="{4E6215C3-DC27-17D6-E614-B115C72FB9F4}"/>
+              </a:ext>
+            </a:extLst>
+          </p:cNvPr>
+          <p:cNvPicPr>
+            <a:picLocks noChangeAspect="1"/>
+          </p:cNvPicPr>
+          <p:nvPr/>
+        </p:nvPicPr>
+        <p:blipFill>
+          <a:blip r:embed="rId2">
+            <a:extLst>
+              <a:ext uri="{28A0092B-C50C-407E-A947-70E740481C1C}">
+                <a14:useLocalDpi xmlns:a14="http://schemas.microsoft.com/office/drawing/2010/main" val="0"/>
+              </a:ext>
+            </a:extLst>
+          </a:blip>
+          <a:stretch>
+            <a:fillRect/>
+          </a:stretch>
+        </p:blipFill>
+        <p:spPr>
+          <a:xfrm>
+            <a:off x="6047802" y="1268848"/>
+            <a:ext cx="2182091" cy="4680668"/>
+          </a:xfrm>
+          <a:prstGeom prst="rect">
+            <a:avLst/>
+          </a:prstGeom>
+        </p:spPr>
+      </p:pic>
     </p:spTree>
     <p:extLst>
       <p:ext uri="{BB962C8B-B14F-4D97-AF65-F5344CB8AC3E}">
-        <p14:creationId xmlns:p14="http://schemas.microsoft.com/office/powerpoint/2010/main" val="2902395804"/>
+        <p14:creationId xmlns:p14="http://schemas.microsoft.com/office/powerpoint/2010/main" val="1531169531"/>
       </p:ext>
     </p:extLst>
   </p:cSld>

--- a/doc/abschlusspraesentation/MeInfPro_Abschlusspräsentation_watch.pptx
+++ b/doc/abschlusspraesentation/MeInfPro_Abschlusspräsentation_watch.pptx
@@ -14,11 +14,11 @@
     <p:sldId id="256" r:id="rId2"/>
     <p:sldId id="264" r:id="rId3"/>
     <p:sldId id="269" r:id="rId4"/>
-    <p:sldId id="257" r:id="rId5"/>
+    <p:sldId id="290" r:id="rId5"/>
     <p:sldId id="283" r:id="rId6"/>
-    <p:sldId id="272" r:id="rId7"/>
+    <p:sldId id="291" r:id="rId7"/>
     <p:sldId id="271" r:id="rId8"/>
-    <p:sldId id="290" r:id="rId9"/>
+    <p:sldId id="293" r:id="rId9"/>
     <p:sldId id="289" r:id="rId10"/>
     <p:sldId id="284" r:id="rId11"/>
     <p:sldId id="274" r:id="rId12"/>
@@ -144,15 +144,15 @@
         <p14:section name="Elemente des Corporate Design" id="{60A2C5C4-FF54-4ACC-A17E-78E04B267541}">
           <p14:sldIdLst>
             <p14:sldId id="269"/>
-            <p14:sldId id="257"/>
+            <p14:sldId id="290"/>
           </p14:sldIdLst>
         </p14:section>
         <p14:section name="Vorlagedatei speichern" id="{AEBC5EF8-8830-4BD1-BC6A-5A08C5F265C4}">
           <p14:sldIdLst>
             <p14:sldId id="283"/>
-            <p14:sldId id="272"/>
+            <p14:sldId id="291"/>
             <p14:sldId id="271"/>
-            <p14:sldId id="290"/>
+            <p14:sldId id="293"/>
             <p14:sldId id="289"/>
           </p14:sldIdLst>
         </p14:section>
@@ -272,7 +272,7 @@
           <a:p>
             <a:fld id="{C6AC6211-610F-44E5-BF19-D3CDF6EDD281}" type="datetimeFigureOut">
               <a:rPr lang="de-DE" smtClean="0"/>
-              <a:t>30.01.24</a:t>
+              <a:t>30.01.2024</a:t>
             </a:fld>
             <a:endParaRPr lang="de-DE"/>
           </a:p>
@@ -338,7 +338,7 @@
           <a:p>
             <a:fld id="{2AD61AA8-FB04-42D1-9939-D1A1356F8086}" type="slidenum">
               <a:rPr lang="de-DE" smtClean="0"/>
-              <a:t>‹Nr.›</a:t>
+              <a:t>‹#›</a:t>
             </a:fld>
             <a:endParaRPr lang="de-DE"/>
           </a:p>
@@ -438,7 +438,7 @@
           <a:p>
             <a:fld id="{347435D3-23A6-45D3-8DFA-7317DC1E7A64}" type="datetimeFigureOut">
               <a:rPr lang="de-DE" smtClean="0"/>
-              <a:t>30.01.24</a:t>
+              <a:t>30.01.2024</a:t>
             </a:fld>
             <a:endParaRPr lang="de-DE"/>
           </a:p>
@@ -596,7 +596,7 @@
           <a:p>
             <a:fld id="{2969AC09-DF60-43F4-96BF-67D4D9A74094}" type="slidenum">
               <a:rPr lang="de-DE" smtClean="0"/>
-              <a:t>‹Nr.›</a:t>
+              <a:t>‹#›</a:t>
             </a:fld>
             <a:endParaRPr lang="de-DE"/>
           </a:p>
@@ -3301,7 +3301,7 @@
                 <a:tabLst/>
                 <a:defRPr/>
               </a:pPr>
-              <a:t>‹Nr.›</a:t>
+              <a:t>‹#›</a:t>
             </a:fld>
             <a:endParaRPr lang="de-DE" sz="800" baseline="0" dirty="0">
               <a:solidFill>
@@ -3997,15 +3997,7 @@
           <a:p>
             <a:r>
               <a:rPr lang="de-DE" dirty="0"/>
-              <a:t>Von Florian , Dieter und </a:t>
-            </a:r>
-            <a:r>
-              <a:rPr lang="de-DE" dirty="0" err="1"/>
-              <a:t>Yorick</a:t>
-            </a:r>
-            <a:r>
-              <a:rPr lang="de-DE" dirty="0"/>
-              <a:t>  // 31.01.2024</a:t>
+              <a:t>Von Florian , Dieter und Yorick  // 31.01.2024</a:t>
             </a:r>
           </a:p>
         </p:txBody>
@@ -4545,7 +4537,7 @@
             <a:pPr lvl="1"/>
             <a:r>
               <a:rPr lang="de-DE" dirty="0"/>
-              <a:t>Das Armband</a:t>
+              <a:t>Armband</a:t>
             </a:r>
           </a:p>
           <a:p>
@@ -4933,7 +4925,13 @@
       </p:grpSpPr>
       <p:sp>
         <p:nvSpPr>
-          <p:cNvPr id="3" name="Titel 2"/>
+          <p:cNvPr id="2" name="Title 1">
+            <a:extLst>
+              <a:ext uri="{FF2B5EF4-FFF2-40B4-BE49-F238E27FC236}">
+                <a16:creationId xmlns:a16="http://schemas.microsoft.com/office/drawing/2014/main" id="{2886467A-F9C9-D03E-E276-5A866D1E4D20}"/>
+              </a:ext>
+            </a:extLst>
+          </p:cNvPr>
           <p:cNvSpPr>
             <a:spLocks noGrp="1"/>
           </p:cNvSpPr>
@@ -4957,17 +4955,24 @@
               <a:rPr lang="de-DE" b="0" dirty="0"/>
               <a:t>von einem Klickbaren Uhrarmband</a:t>
             </a:r>
-          </a:p>
-        </p:txBody>
-      </p:sp>
-      <p:sp>
-        <p:nvSpPr>
-          <p:cNvPr id="2" name="Inhaltsplatzhalter 1"/>
+            <a:endParaRPr lang="de-DE" dirty="0"/>
+          </a:p>
+        </p:txBody>
+      </p:sp>
+      <p:sp>
+        <p:nvSpPr>
+          <p:cNvPr id="3" name="Text Placeholder 2">
+            <a:extLst>
+              <a:ext uri="{FF2B5EF4-FFF2-40B4-BE49-F238E27FC236}">
+                <a16:creationId xmlns:a16="http://schemas.microsoft.com/office/drawing/2014/main" id="{5E8D2559-C3E2-E068-917B-55E6A0A1674C}"/>
+              </a:ext>
+            </a:extLst>
+          </p:cNvPr>
           <p:cNvSpPr>
             <a:spLocks noGrp="1"/>
           </p:cNvSpPr>
           <p:nvPr>
-            <p:ph sz="quarter" idx="10"/>
+            <p:ph type="body" sz="quarter" idx="10"/>
           </p:nvPr>
         </p:nvSpPr>
         <p:spPr/>
@@ -4975,24 +4980,314 @@
           <a:bodyPr/>
           <a:lstStyle/>
           <a:p>
-            <a:r>
-              <a:rPr lang="de-DE" dirty="0"/>
-              <a:t>Inhalt</a:t>
-            </a:r>
-            <a:br>
-              <a:rPr lang="de-DE" dirty="0"/>
-            </a:br>
+            <a:pPr marL="285750" indent="-285750">
+              <a:buFont typeface="Arial" panose="020B0604020202020204" pitchFamily="34" charset="0"/>
+              <a:buChar char="•"/>
+            </a:pPr>
+            <a:r>
+              <a:rPr lang="en-GB" dirty="0"/>
+              <a:t>Idee: </a:t>
+            </a:r>
+            <a:r>
+              <a:rPr lang="en-GB" dirty="0" err="1"/>
+              <a:t>ungenutzte</a:t>
+            </a:r>
+            <a:r>
+              <a:rPr lang="en-GB" dirty="0"/>
+              <a:t> </a:t>
+            </a:r>
+            <a:r>
+              <a:rPr lang="en-GB" dirty="0" err="1"/>
+              <a:t>Armbänder</a:t>
+            </a:r>
+            <a:r>
+              <a:rPr lang="en-GB" dirty="0"/>
+              <a:t> </a:t>
+            </a:r>
+            <a:r>
+              <a:rPr lang="en-GB" dirty="0" err="1"/>
+              <a:t>mit</a:t>
+            </a:r>
+            <a:r>
+              <a:rPr lang="en-GB" dirty="0"/>
+              <a:t> in </a:t>
+            </a:r>
+            <a:r>
+              <a:rPr lang="en-GB" dirty="0" err="1"/>
+              <a:t>Interaktion</a:t>
+            </a:r>
+            <a:r>
+              <a:rPr lang="en-GB" dirty="0"/>
+              <a:t> </a:t>
+            </a:r>
+            <a:r>
+              <a:rPr lang="en-GB" dirty="0" err="1"/>
+              <a:t>mit</a:t>
+            </a:r>
+            <a:r>
+              <a:rPr lang="en-GB" dirty="0"/>
+              <a:t> Smartwatch </a:t>
+            </a:r>
+            <a:r>
+              <a:rPr lang="en-GB" dirty="0" err="1"/>
+              <a:t>integrieren</a:t>
+            </a:r>
+            <a:endParaRPr lang="en-GB" dirty="0"/>
+          </a:p>
+          <a:p>
+            <a:pPr marL="285750" indent="-285750">
+              <a:buFont typeface="Arial" panose="020B0604020202020204" pitchFamily="34" charset="0"/>
+              <a:buChar char="•"/>
+            </a:pPr>
+            <a:endParaRPr lang="en-GB" dirty="0"/>
+          </a:p>
+          <a:p>
+            <a:pPr marL="285750" indent="-285750">
+              <a:buFont typeface="Arial" panose="020B0604020202020204" pitchFamily="34" charset="0"/>
+              <a:buChar char="•"/>
+            </a:pPr>
+            <a:r>
+              <a:rPr lang="en-GB" dirty="0" err="1"/>
+              <a:t>Erweiterung</a:t>
+            </a:r>
+            <a:r>
+              <a:rPr lang="en-GB" dirty="0"/>
+              <a:t> </a:t>
+            </a:r>
+            <a:r>
+              <a:rPr lang="en-GB" dirty="0" err="1"/>
+              <a:t>Eingabemodalitäten</a:t>
+            </a:r>
+            <a:r>
+              <a:rPr lang="en-GB" dirty="0"/>
+              <a:t> von Smartwatches</a:t>
+            </a:r>
+          </a:p>
+          <a:p>
+            <a:pPr marL="285750" indent="-285750">
+              <a:buFont typeface="Arial" panose="020B0604020202020204" pitchFamily="34" charset="0"/>
+              <a:buChar char="•"/>
+            </a:pPr>
+            <a:endParaRPr lang="en-GB" dirty="0"/>
+          </a:p>
+          <a:p>
+            <a:pPr marL="285750" indent="-285750">
+              <a:buFont typeface="Arial" panose="020B0604020202020204" pitchFamily="34" charset="0"/>
+              <a:buChar char="•"/>
+            </a:pPr>
+            <a:r>
+              <a:rPr lang="de-DE" dirty="0"/>
+              <a:t>bekannte Interaktionsformen</a:t>
+            </a:r>
+          </a:p>
+          <a:p>
+            <a:pPr marL="681750" lvl="1" indent="-285750">
+              <a:buFont typeface="Arial" panose="020B0604020202020204" pitchFamily="34" charset="0"/>
+              <a:buChar char="•"/>
+            </a:pPr>
+            <a:r>
+              <a:rPr lang="de-DE" dirty="0"/>
+              <a:t>„</a:t>
+            </a:r>
+            <a:r>
+              <a:rPr lang="de-DE" dirty="0" err="1"/>
+              <a:t>touch</a:t>
+            </a:r>
+            <a:r>
+              <a:rPr lang="de-DE" dirty="0"/>
+              <a:t>“</a:t>
+            </a:r>
+          </a:p>
+          <a:p>
+            <a:pPr marL="681750" lvl="1" indent="-285750">
+              <a:buFont typeface="Arial" panose="020B0604020202020204" pitchFamily="34" charset="0"/>
+              <a:buChar char="•"/>
+            </a:pPr>
+            <a:r>
+              <a:rPr lang="de-DE" dirty="0"/>
+              <a:t>„</a:t>
+            </a:r>
+            <a:r>
+              <a:rPr lang="de-DE" dirty="0" err="1"/>
+              <a:t>swipe</a:t>
+            </a:r>
+            <a:r>
+              <a:rPr lang="de-DE" dirty="0"/>
+              <a:t>“</a:t>
+            </a:r>
+          </a:p>
+          <a:p>
+            <a:pPr marL="285750" indent="-285750">
+              <a:buFont typeface="Arial" panose="020B0604020202020204" pitchFamily="34" charset="0"/>
+              <a:buChar char="•"/>
+            </a:pPr>
             <a:endParaRPr lang="de-DE" dirty="0"/>
           </a:p>
+          <a:p>
+            <a:pPr marL="285750" indent="-285750">
+              <a:buFont typeface="Arial" panose="020B0604020202020204" pitchFamily="34" charset="0"/>
+              <a:buChar char="•"/>
+            </a:pPr>
+            <a:r>
+              <a:rPr lang="de-DE" dirty="0"/>
+              <a:t>Ziel:</a:t>
+            </a:r>
+          </a:p>
+          <a:p>
+            <a:pPr marL="681750" lvl="1" indent="-285750">
+              <a:buFont typeface="Arial" panose="020B0604020202020204" pitchFamily="34" charset="0"/>
+              <a:buChar char="•"/>
+            </a:pPr>
+            <a:r>
+              <a:rPr lang="de-DE" dirty="0"/>
+              <a:t>intuitive ergonomische Bedienung</a:t>
+            </a:r>
+          </a:p>
+          <a:p>
+            <a:pPr marL="681750" lvl="1" indent="-285750">
+              <a:buFont typeface="Arial" panose="020B0604020202020204" pitchFamily="34" charset="0"/>
+              <a:buChar char="•"/>
+            </a:pPr>
+            <a:r>
+              <a:rPr lang="de-DE" dirty="0"/>
+              <a:t>Erweiterung Interaktionsmöglichkeiten</a:t>
+            </a:r>
+          </a:p>
+        </p:txBody>
+      </p:sp>
+      <p:sp>
+        <p:nvSpPr>
+          <p:cNvPr id="4" name="Text Placeholder 3">
+            <a:extLst>
+              <a:ext uri="{FF2B5EF4-FFF2-40B4-BE49-F238E27FC236}">
+                <a16:creationId xmlns:a16="http://schemas.microsoft.com/office/drawing/2014/main" id="{C7E8F7A0-B04D-BA02-25F5-C8D3EAAF77B1}"/>
+              </a:ext>
+            </a:extLst>
+          </p:cNvPr>
+          <p:cNvSpPr>
+            <a:spLocks noGrp="1"/>
+          </p:cNvSpPr>
+          <p:nvPr>
+            <p:ph type="body" sz="quarter" idx="11"/>
+          </p:nvPr>
+        </p:nvSpPr>
+        <p:spPr>
+          <a:xfrm>
+            <a:off x="4625114" y="1484314"/>
+            <a:ext cx="4133850" cy="4249736"/>
+          </a:xfrm>
+        </p:spPr>
+        <p:txBody>
+          <a:bodyPr/>
+          <a:lstStyle/>
+          <a:p>
+            <a:endParaRPr lang="de-DE" dirty="0"/>
+          </a:p>
+        </p:txBody>
+      </p:sp>
+      <p:pic>
+        <p:nvPicPr>
+          <p:cNvPr id="5" name="Picture 4">
+            <a:extLst>
+              <a:ext uri="{FF2B5EF4-FFF2-40B4-BE49-F238E27FC236}">
+                <a16:creationId xmlns:a16="http://schemas.microsoft.com/office/drawing/2014/main" id="{B0B96B52-C30E-6FEB-1410-301EC20C82D8}"/>
+              </a:ext>
+            </a:extLst>
+          </p:cNvPr>
+          <p:cNvPicPr>
+            <a:picLocks noChangeAspect="1"/>
+          </p:cNvPicPr>
+          <p:nvPr/>
+        </p:nvPicPr>
+        <p:blipFill>
+          <a:blip r:embed="rId2" cstate="print">
+            <a:extLst>
+              <a:ext uri="{28A0092B-C50C-407E-A947-70E740481C1C}">
+                <a14:useLocalDpi xmlns:a14="http://schemas.microsoft.com/office/drawing/2010/main" val="0"/>
+              </a:ext>
+            </a:extLst>
+          </a:blip>
+          <a:stretch>
+            <a:fillRect/>
+          </a:stretch>
+        </p:blipFill>
+        <p:spPr>
+          <a:xfrm>
+            <a:off x="4624388" y="1484315"/>
+            <a:ext cx="4134575" cy="4249736"/>
+          </a:xfrm>
+          <a:prstGeom prst="rect">
+            <a:avLst/>
+          </a:prstGeom>
+        </p:spPr>
+      </p:pic>
+      <p:sp>
+        <p:nvSpPr>
+          <p:cNvPr id="6" name="TextBox 5">
+            <a:extLst>
+              <a:ext uri="{FF2B5EF4-FFF2-40B4-BE49-F238E27FC236}">
+                <a16:creationId xmlns:a16="http://schemas.microsoft.com/office/drawing/2014/main" id="{D7A69B4D-B106-0C86-D7A9-B3D3A024FD03}"/>
+              </a:ext>
+            </a:extLst>
+          </p:cNvPr>
+          <p:cNvSpPr txBox="1"/>
+          <p:nvPr/>
+        </p:nvSpPr>
+        <p:spPr>
+          <a:xfrm>
+            <a:off x="4568870" y="5742966"/>
+            <a:ext cx="4575130" cy="215444"/>
+          </a:xfrm>
+          <a:prstGeom prst="rect">
+            <a:avLst/>
+          </a:prstGeom>
+          <a:noFill/>
+        </p:spPr>
+        <p:txBody>
+          <a:bodyPr wrap="square">
+            <a:spAutoFit/>
+          </a:bodyPr>
+          <a:lstStyle/>
+          <a:p>
+            <a:r>
+              <a:rPr lang="en-GB" sz="800" b="0" i="0" u="none" strike="noStrike" dirty="0">
+                <a:solidFill>
+                  <a:srgbClr val="000000"/>
+                </a:solidFill>
+                <a:effectLst/>
+                <a:latin typeface="Arial" panose="020B0604020202020204" pitchFamily="34" charset="0"/>
+              </a:rPr>
+              <a:t>[1] url: </a:t>
+            </a:r>
+            <a:r>
+              <a:rPr lang="en-GB" sz="800" b="0" i="0" u="sng" strike="noStrike" dirty="0">
+                <a:solidFill>
+                  <a:srgbClr val="0069B4"/>
+                </a:solidFill>
+                <a:effectLst/>
+                <a:latin typeface="Arial" panose="020B0604020202020204" pitchFamily="34" charset="0"/>
+                <a:hlinkClick r:id="rId3"/>
+              </a:rPr>
+              <a:t>https://img.fruugo.com/product/4/29/859787294_max.jpg</a:t>
+            </a:r>
+            <a:r>
+              <a:rPr lang="en-GB" sz="800" b="0" i="0" u="none" strike="noStrike" dirty="0">
+                <a:solidFill>
+                  <a:srgbClr val="000000"/>
+                </a:solidFill>
+                <a:effectLst/>
+                <a:latin typeface="Arial" panose="020B0604020202020204" pitchFamily="34" charset="0"/>
+              </a:rPr>
+              <a:t>, last visited: 06.06.23</a:t>
+            </a:r>
+            <a:endParaRPr lang="de-DE" dirty="0"/>
+          </a:p>
         </p:txBody>
       </p:sp>
     </p:spTree>
-    <p:custDataLst>
-      <p:tags r:id="rId1"/>
-    </p:custDataLst>
     <p:extLst>
       <p:ext uri="{BB962C8B-B14F-4D97-AF65-F5344CB8AC3E}">
-        <p14:creationId xmlns:p14="http://schemas.microsoft.com/office/powerpoint/2010/main" val="195351814"/>
+        <p14:creationId xmlns:p14="http://schemas.microsoft.com/office/powerpoint/2010/main" val="1627745223"/>
       </p:ext>
     </p:extLst>
   </p:cSld>
@@ -5099,7 +5394,13 @@
       </p:grpSpPr>
       <p:sp>
         <p:nvSpPr>
-          <p:cNvPr id="6" name="Titel 5"/>
+          <p:cNvPr id="2" name="Title 1">
+            <a:extLst>
+              <a:ext uri="{FF2B5EF4-FFF2-40B4-BE49-F238E27FC236}">
+                <a16:creationId xmlns:a16="http://schemas.microsoft.com/office/drawing/2014/main" id="{A3CB503D-EF53-E7CC-B8C5-35FC1A705FF5}"/>
+              </a:ext>
+            </a:extLst>
+          </p:cNvPr>
           <p:cNvSpPr>
             <a:spLocks noGrp="1"/>
           </p:cNvSpPr>
@@ -5109,9 +5410,7 @@
         </p:nvSpPr>
         <p:spPr/>
         <p:txBody>
-          <a:bodyPr>
-            <a:normAutofit fontScale="90000"/>
-          </a:bodyPr>
+          <a:bodyPr/>
           <a:lstStyle/>
           <a:p>
             <a:r>
@@ -5125,36 +5424,249 @@
               <a:rPr lang="de-DE" b="0" dirty="0"/>
               <a:t>von unserem Projekt</a:t>
             </a:r>
-            <a:br>
-              <a:rPr lang="de-DE" dirty="0"/>
-            </a:br>
             <a:endParaRPr lang="de-DE" dirty="0"/>
           </a:p>
         </p:txBody>
       </p:sp>
       <p:sp>
         <p:nvSpPr>
-          <p:cNvPr id="10" name="Inhaltsplatzhalter 9"/>
+          <p:cNvPr id="3" name="Text Placeholder 2">
+            <a:extLst>
+              <a:ext uri="{FF2B5EF4-FFF2-40B4-BE49-F238E27FC236}">
+                <a16:creationId xmlns:a16="http://schemas.microsoft.com/office/drawing/2014/main" id="{7E8AD9E3-1A53-1D5F-D06F-99EFE4B53853}"/>
+              </a:ext>
+            </a:extLst>
+          </p:cNvPr>
           <p:cNvSpPr>
             <a:spLocks noGrp="1"/>
           </p:cNvSpPr>
           <p:nvPr>
-            <p:ph sz="quarter" idx="10"/>
+            <p:ph type="body" sz="quarter" idx="10"/>
           </p:nvPr>
         </p:nvSpPr>
-        <p:spPr>
-          <a:xfrm>
-            <a:off x="385763" y="1484313"/>
-            <a:ext cx="8373201" cy="4500851"/>
-          </a:xfrm>
-        </p:spPr>
+        <p:spPr/>
         <p:txBody>
           <a:bodyPr/>
           <a:lstStyle/>
           <a:p>
-            <a:r>
-              <a:rPr lang="de-DE" dirty="0"/>
-              <a:t>Inhalt</a:t>
+            <a:pPr algn="ctr"/>
+            <a:r>
+              <a:rPr lang="en-GB" b="1" dirty="0"/>
+              <a:t>Hardware</a:t>
+            </a:r>
+          </a:p>
+          <a:p>
+            <a:pPr marL="285750" indent="-285750">
+              <a:buFont typeface="Arial" panose="020B0604020202020204" pitchFamily="34" charset="0"/>
+              <a:buChar char="•"/>
+            </a:pPr>
+            <a:endParaRPr lang="en-GB" b="1" dirty="0"/>
+          </a:p>
+          <a:p>
+            <a:pPr marL="285750" indent="-285750">
+              <a:buFont typeface="Arial" panose="020B0604020202020204" pitchFamily="34" charset="0"/>
+              <a:buChar char="•"/>
+            </a:pPr>
+            <a:r>
+              <a:rPr lang="en-GB" dirty="0"/>
+              <a:t>Arduino</a:t>
+            </a:r>
+          </a:p>
+          <a:p>
+            <a:pPr marL="285750" indent="-285750">
+              <a:buFont typeface="Arial" panose="020B0604020202020204" pitchFamily="34" charset="0"/>
+              <a:buChar char="•"/>
+            </a:pPr>
+            <a:r>
+              <a:rPr lang="en-GB" dirty="0" err="1"/>
+              <a:t>recv</a:t>
+            </a:r>
+            <a:r>
+              <a:rPr lang="en-GB" dirty="0"/>
+              <a:t> strategy</a:t>
+            </a:r>
+          </a:p>
+          <a:p>
+            <a:pPr marL="285750" indent="-285750">
+              <a:buFont typeface="Arial" panose="020B0604020202020204" pitchFamily="34" charset="0"/>
+              <a:buChar char="•"/>
+            </a:pPr>
+            <a:r>
+              <a:rPr lang="en-GB" dirty="0" err="1"/>
+              <a:t>Prototyp</a:t>
+            </a:r>
+            <a:r>
+              <a:rPr lang="en-GB" dirty="0"/>
+              <a:t> Armband</a:t>
+            </a:r>
+          </a:p>
+          <a:p>
+            <a:pPr marL="285750" indent="-285750">
+              <a:buFont typeface="Arial" panose="020B0604020202020204" pitchFamily="34" charset="0"/>
+              <a:buChar char="•"/>
+            </a:pPr>
+            <a:r>
+              <a:rPr lang="en-GB" dirty="0" err="1"/>
+              <a:t>Präsentation</a:t>
+            </a:r>
+            <a:endParaRPr lang="en-GB" dirty="0"/>
+          </a:p>
+          <a:p>
+            <a:pPr marL="285750" indent="-285750">
+              <a:buFont typeface="Arial" panose="020B0604020202020204" pitchFamily="34" charset="0"/>
+              <a:buChar char="•"/>
+            </a:pPr>
+            <a:r>
+              <a:rPr lang="en-GB" dirty="0"/>
+              <a:t>Flo</a:t>
+            </a:r>
+            <a:endParaRPr lang="de-DE" dirty="0"/>
+          </a:p>
+        </p:txBody>
+      </p:sp>
+      <p:sp>
+        <p:nvSpPr>
+          <p:cNvPr id="4" name="Text Placeholder 3">
+            <a:extLst>
+              <a:ext uri="{FF2B5EF4-FFF2-40B4-BE49-F238E27FC236}">
+                <a16:creationId xmlns:a16="http://schemas.microsoft.com/office/drawing/2014/main" id="{B7D1445D-9699-309C-8AA3-B83BACE7D3BD}"/>
+              </a:ext>
+            </a:extLst>
+          </p:cNvPr>
+          <p:cNvSpPr>
+            <a:spLocks noGrp="1"/>
+          </p:cNvSpPr>
+          <p:nvPr>
+            <p:ph type="body" sz="quarter" idx="11"/>
+          </p:nvPr>
+        </p:nvSpPr>
+        <p:spPr/>
+        <p:txBody>
+          <a:bodyPr/>
+          <a:lstStyle/>
+          <a:p>
+            <a:pPr algn="ctr"/>
+            <a:r>
+              <a:rPr lang="en-GB" b="1" dirty="0" err="1"/>
+              <a:t>Visualisierung</a:t>
+            </a:r>
+            <a:endParaRPr lang="en-GB" b="1" dirty="0"/>
+          </a:p>
+          <a:p>
+            <a:pPr marL="285750" indent="-285750">
+              <a:buFont typeface="Arial" panose="020B0604020202020204" pitchFamily="34" charset="0"/>
+              <a:buChar char="•"/>
+            </a:pPr>
+            <a:endParaRPr lang="de-DE" b="1" dirty="0"/>
+          </a:p>
+          <a:p>
+            <a:pPr marL="285750" indent="-285750">
+              <a:buFont typeface="Arial" panose="020B0604020202020204" pitchFamily="34" charset="0"/>
+              <a:buChar char="•"/>
+            </a:pPr>
+            <a:r>
+              <a:rPr lang="de-DE" dirty="0"/>
+              <a:t>@TODO </a:t>
+            </a:r>
+          </a:p>
+          <a:p>
+            <a:pPr marL="285750" indent="-285750">
+              <a:buFont typeface="Arial" panose="020B0604020202020204" pitchFamily="34" charset="0"/>
+              <a:buChar char="•"/>
+            </a:pPr>
+            <a:r>
+              <a:rPr lang="de-DE" dirty="0"/>
+              <a:t>Appdesign</a:t>
+            </a:r>
+          </a:p>
+          <a:p>
+            <a:pPr marL="285750" indent="-285750">
+              <a:buFont typeface="Arial" panose="020B0604020202020204" pitchFamily="34" charset="0"/>
+              <a:buChar char="•"/>
+            </a:pPr>
+            <a:r>
+              <a:rPr lang="de-DE" dirty="0"/>
+              <a:t>Dieter</a:t>
+            </a:r>
+          </a:p>
+          <a:p>
+            <a:pPr marL="285750" indent="-285750">
+              <a:buFont typeface="Arial" panose="020B0604020202020204" pitchFamily="34" charset="0"/>
+              <a:buChar char="•"/>
+            </a:pPr>
+            <a:endParaRPr lang="en-GB" b="1" dirty="0"/>
+          </a:p>
+        </p:txBody>
+      </p:sp>
+      <p:sp>
+        <p:nvSpPr>
+          <p:cNvPr id="5" name="Text Placeholder 4">
+            <a:extLst>
+              <a:ext uri="{FF2B5EF4-FFF2-40B4-BE49-F238E27FC236}">
+                <a16:creationId xmlns:a16="http://schemas.microsoft.com/office/drawing/2014/main" id="{9BAE4072-B23E-CD28-68A8-D61B67E87157}"/>
+              </a:ext>
+            </a:extLst>
+          </p:cNvPr>
+          <p:cNvSpPr>
+            <a:spLocks noGrp="1"/>
+          </p:cNvSpPr>
+          <p:nvPr>
+            <p:ph type="body" sz="quarter" idx="12"/>
+          </p:nvPr>
+        </p:nvSpPr>
+        <p:spPr/>
+        <p:txBody>
+          <a:bodyPr/>
+          <a:lstStyle/>
+          <a:p>
+            <a:pPr algn="ctr"/>
+            <a:r>
+              <a:rPr lang="en-GB" b="1" dirty="0"/>
+              <a:t>Smartwatch</a:t>
+            </a:r>
+          </a:p>
+          <a:p>
+            <a:pPr algn="ctr"/>
+            <a:endParaRPr lang="en-GB" b="1" dirty="0"/>
+          </a:p>
+          <a:p>
+            <a:pPr marL="285750" indent="-285750">
+              <a:buFont typeface="Arial" panose="020B0604020202020204" pitchFamily="34" charset="0"/>
+              <a:buChar char="•"/>
+            </a:pPr>
+            <a:r>
+              <a:rPr lang="en-GB" dirty="0"/>
+              <a:t>@TODO</a:t>
+            </a:r>
+          </a:p>
+          <a:p>
+            <a:pPr marL="285750" indent="-285750">
+              <a:buFont typeface="Arial" panose="020B0604020202020204" pitchFamily="34" charset="0"/>
+              <a:buChar char="•"/>
+            </a:pPr>
+            <a:r>
+              <a:rPr lang="en-GB" dirty="0"/>
+              <a:t>App</a:t>
+            </a:r>
+          </a:p>
+          <a:p>
+            <a:pPr marL="285750" indent="-285750">
+              <a:buFont typeface="Arial" panose="020B0604020202020204" pitchFamily="34" charset="0"/>
+              <a:buChar char="•"/>
+            </a:pPr>
+            <a:r>
+              <a:rPr lang="de-DE" dirty="0"/>
+              <a:t>Netzwerkkommunikation</a:t>
+            </a:r>
+          </a:p>
+          <a:p>
+            <a:pPr marL="285750" indent="-285750">
+              <a:buFont typeface="Arial" panose="020B0604020202020204" pitchFamily="34" charset="0"/>
+              <a:buChar char="•"/>
+            </a:pPr>
+            <a:r>
+              <a:rPr lang="de-DE" dirty="0"/>
+              <a:t>Yorick</a:t>
             </a:r>
           </a:p>
         </p:txBody>
@@ -5162,7 +5674,7 @@
     </p:spTree>
     <p:extLst>
       <p:ext uri="{BB962C8B-B14F-4D97-AF65-F5344CB8AC3E}">
-        <p14:creationId xmlns:p14="http://schemas.microsoft.com/office/powerpoint/2010/main" val="3091863441"/>
+        <p14:creationId xmlns:p14="http://schemas.microsoft.com/office/powerpoint/2010/main" val="3024134207"/>
       </p:ext>
     </p:extLst>
   </p:cSld>
@@ -5206,42 +5718,15 @@
           <a:p>
             <a:r>
               <a:rPr lang="de-DE" dirty="0"/>
-              <a:t>Das Armband </a:t>
+              <a:t>Armband </a:t>
             </a:r>
             <a:br>
               <a:rPr lang="de-DE" dirty="0"/>
             </a:br>
             <a:r>
               <a:rPr lang="de-DE" b="0" dirty="0"/>
-              <a:t>mit Arduino </a:t>
-            </a:r>
-          </a:p>
-        </p:txBody>
-      </p:sp>
-      <p:sp>
-        <p:nvSpPr>
-          <p:cNvPr id="4" name="Bildplatzhalter 3"/>
-          <p:cNvSpPr>
-            <a:spLocks noGrp="1"/>
-          </p:cNvSpPr>
-          <p:nvPr>
-            <p:ph type="pic" sz="quarter" idx="13"/>
-          </p:nvPr>
-        </p:nvSpPr>
-        <p:spPr/>
-        <p:txBody>
-          <a:bodyPr/>
-          <a:lstStyle/>
-          <a:p>
-            <a:r>
-              <a:rPr lang="de-DE" dirty="0"/>
-              <a:t>Bild </a:t>
-            </a:r>
-            <a:r>
-              <a:rPr lang="de-DE" dirty="0" err="1"/>
-              <a:t>vile</a:t>
-            </a:r>
-            <a:endParaRPr lang="de-DE" dirty="0"/>
+              <a:t>Arduino + Layout</a:t>
+            </a:r>
           </a:p>
         </p:txBody>
       </p:sp>
@@ -5257,8 +5742,8 @@
         </p:nvSpPr>
         <p:spPr>
           <a:xfrm>
-            <a:off x="385763" y="1484314"/>
-            <a:ext cx="4133850" cy="4249736"/>
+            <a:off x="3162299" y="1304132"/>
+            <a:ext cx="2822257" cy="4249736"/>
           </a:xfrm>
         </p:spPr>
         <p:txBody>
@@ -5267,13 +5752,236 @@
           </a:bodyPr>
           <a:lstStyle/>
           <a:p>
-            <a:r>
-              <a:rPr lang="de-DE" dirty="0"/>
-              <a:t>Inhalt</a:t>
-            </a:r>
-          </a:p>
-        </p:txBody>
-      </p:sp>
+            <a:pPr algn="ctr"/>
+            <a:endParaRPr lang="de-DE" b="1"/>
+          </a:p>
+          <a:p>
+            <a:pPr algn="ctr"/>
+            <a:endParaRPr lang="de-DE" b="1"/>
+          </a:p>
+          <a:p>
+            <a:pPr algn="ctr"/>
+            <a:r>
+              <a:rPr lang="de-DE" b="1"/>
+              <a:t>Arduino Datenpipeline</a:t>
+            </a:r>
+          </a:p>
+          <a:p>
+            <a:pPr marL="342900" indent="-342900">
+              <a:buFont typeface="+mj-lt"/>
+              <a:buAutoNum type="arabicPeriod"/>
+            </a:pPr>
+            <a:endParaRPr lang="de-DE"/>
+          </a:p>
+          <a:p>
+            <a:pPr marL="342900" indent="-342900">
+              <a:buFont typeface="+mj-lt"/>
+              <a:buAutoNum type="arabicPeriod"/>
+            </a:pPr>
+            <a:r>
+              <a:rPr lang="de-DE"/>
+              <a:t>lese Sensordaten</a:t>
+            </a:r>
+          </a:p>
+          <a:p>
+            <a:pPr marL="342900" indent="-342900">
+              <a:buFont typeface="+mj-lt"/>
+              <a:buAutoNum type="arabicPeriod"/>
+            </a:pPr>
+            <a:r>
+              <a:rPr lang="de-DE"/>
+              <a:t>filtern für intentionalen Input</a:t>
+            </a:r>
+          </a:p>
+          <a:p>
+            <a:pPr marL="342900" indent="-342900">
+              <a:buFont typeface="+mj-lt"/>
+              <a:buAutoNum type="arabicPeriod"/>
+            </a:pPr>
+            <a:r>
+              <a:rPr lang="de-DE"/>
+              <a:t>Verwerfe Noise</a:t>
+            </a:r>
+          </a:p>
+          <a:p>
+            <a:pPr marL="342900" indent="-342900">
+              <a:buFont typeface="+mj-lt"/>
+              <a:buAutoNum type="arabicPeriod"/>
+            </a:pPr>
+            <a:r>
+              <a:rPr lang="de-DE"/>
+              <a:t>remap ADS Overreadings</a:t>
+            </a:r>
+          </a:p>
+          <a:p>
+            <a:pPr marL="342900" indent="-342900">
+              <a:buFont typeface="+mj-lt"/>
+              <a:buAutoNum type="arabicPeriod"/>
+            </a:pPr>
+            <a:r>
+              <a:rPr lang="de-DE"/>
+              <a:t>send via TCP</a:t>
+            </a:r>
+          </a:p>
+          <a:p>
+            <a:pPr marL="342900" indent="-342900">
+              <a:buFont typeface="+mj-lt"/>
+              <a:buAutoNum type="arabicPeriod"/>
+            </a:pPr>
+            <a:endParaRPr lang="de-DE"/>
+          </a:p>
+          <a:p>
+            <a:endParaRPr lang="de-DE" dirty="0"/>
+          </a:p>
+        </p:txBody>
+      </p:sp>
+      <p:pic>
+        <p:nvPicPr>
+          <p:cNvPr id="18" name="Graphic 17">
+            <a:extLst>
+              <a:ext uri="{FF2B5EF4-FFF2-40B4-BE49-F238E27FC236}">
+                <a16:creationId xmlns:a16="http://schemas.microsoft.com/office/drawing/2014/main" id="{5D55D0A7-2293-DFDB-894E-DDC9AC9F0128}"/>
+              </a:ext>
+            </a:extLst>
+          </p:cNvPr>
+          <p:cNvPicPr>
+            <a:picLocks noChangeAspect="1"/>
+          </p:cNvPicPr>
+          <p:nvPr/>
+        </p:nvPicPr>
+        <p:blipFill>
+          <a:blip r:embed="rId2">
+            <a:extLst>
+              <a:ext uri="{28A0092B-C50C-407E-A947-70E740481C1C}">
+                <a14:useLocalDpi xmlns:a14="http://schemas.microsoft.com/office/drawing/2010/main" val="0"/>
+              </a:ext>
+              <a:ext uri="{96DAC541-7B7A-43D3-8B79-37D633B846F1}">
+                <asvg:svgBlip xmlns:asvg="http://schemas.microsoft.com/office/drawing/2016/SVG/main" r:embed="rId3"/>
+              </a:ext>
+            </a:extLst>
+          </a:blip>
+          <a:stretch>
+            <a:fillRect/>
+          </a:stretch>
+        </p:blipFill>
+        <p:spPr>
+          <a:xfrm>
+            <a:off x="395287" y="1304132"/>
+            <a:ext cx="2549552" cy="4217032"/>
+          </a:xfrm>
+          <a:prstGeom prst="rect">
+            <a:avLst/>
+          </a:prstGeom>
+        </p:spPr>
+      </p:pic>
+      <p:pic>
+        <p:nvPicPr>
+          <p:cNvPr id="20" name="Picture 19">
+            <a:extLst>
+              <a:ext uri="{FF2B5EF4-FFF2-40B4-BE49-F238E27FC236}">
+                <a16:creationId xmlns:a16="http://schemas.microsoft.com/office/drawing/2014/main" id="{DC8FB5A6-317E-71BB-EF77-62C63AA00E93}"/>
+              </a:ext>
+            </a:extLst>
+          </p:cNvPr>
+          <p:cNvPicPr>
+            <a:picLocks noChangeAspect="1"/>
+          </p:cNvPicPr>
+          <p:nvPr/>
+        </p:nvPicPr>
+        <p:blipFill>
+          <a:blip r:embed="rId4" cstate="print">
+            <a:extLst>
+              <a:ext uri="{28A0092B-C50C-407E-A947-70E740481C1C}">
+                <a14:useLocalDpi xmlns:a14="http://schemas.microsoft.com/office/drawing/2010/main" val="0"/>
+              </a:ext>
+            </a:extLst>
+          </a:blip>
+          <a:stretch>
+            <a:fillRect/>
+          </a:stretch>
+        </p:blipFill>
+        <p:spPr>
+          <a:xfrm>
+            <a:off x="6643062" y="4321652"/>
+            <a:ext cx="2115902" cy="1232216"/>
+          </a:xfrm>
+          <a:prstGeom prst="rect">
+            <a:avLst/>
+          </a:prstGeom>
+        </p:spPr>
+      </p:pic>
+      <p:pic>
+        <p:nvPicPr>
+          <p:cNvPr id="22" name="Picture 21">
+            <a:extLst>
+              <a:ext uri="{FF2B5EF4-FFF2-40B4-BE49-F238E27FC236}">
+                <a16:creationId xmlns:a16="http://schemas.microsoft.com/office/drawing/2014/main" id="{89F97379-87F2-DFBA-07B6-B1B6073B9F7C}"/>
+              </a:ext>
+            </a:extLst>
+          </p:cNvPr>
+          <p:cNvPicPr>
+            <a:picLocks noChangeAspect="1"/>
+          </p:cNvPicPr>
+          <p:nvPr/>
+        </p:nvPicPr>
+        <p:blipFill>
+          <a:blip r:embed="rId5" cstate="print">
+            <a:extLst>
+              <a:ext uri="{28A0092B-C50C-407E-A947-70E740481C1C}">
+                <a14:useLocalDpi xmlns:a14="http://schemas.microsoft.com/office/drawing/2010/main" val="0"/>
+              </a:ext>
+            </a:extLst>
+          </a:blip>
+          <a:stretch>
+            <a:fillRect/>
+          </a:stretch>
+        </p:blipFill>
+        <p:spPr>
+          <a:xfrm>
+            <a:off x="5984556" y="2562067"/>
+            <a:ext cx="2078752" cy="1559064"/>
+          </a:xfrm>
+          <a:prstGeom prst="rect">
+            <a:avLst/>
+          </a:prstGeom>
+        </p:spPr>
+      </p:pic>
+      <p:pic>
+        <p:nvPicPr>
+          <p:cNvPr id="25" name="Picture 24">
+            <a:extLst>
+              <a:ext uri="{FF2B5EF4-FFF2-40B4-BE49-F238E27FC236}">
+                <a16:creationId xmlns:a16="http://schemas.microsoft.com/office/drawing/2014/main" id="{9EEC03C1-AA83-BCA4-4D06-7FDAE955E933}"/>
+              </a:ext>
+            </a:extLst>
+          </p:cNvPr>
+          <p:cNvPicPr>
+            <a:picLocks noChangeAspect="1"/>
+          </p:cNvPicPr>
+          <p:nvPr/>
+        </p:nvPicPr>
+        <p:blipFill>
+          <a:blip r:embed="rId6" cstate="print">
+            <a:extLst>
+              <a:ext uri="{28A0092B-C50C-407E-A947-70E740481C1C}">
+                <a14:useLocalDpi xmlns:a14="http://schemas.microsoft.com/office/drawing/2010/main" val="0"/>
+              </a:ext>
+            </a:extLst>
+          </a:blip>
+          <a:stretch>
+            <a:fillRect/>
+          </a:stretch>
+        </p:blipFill>
+        <p:spPr>
+          <a:xfrm>
+            <a:off x="7833813" y="1304132"/>
+            <a:ext cx="914900" cy="1062196"/>
+          </a:xfrm>
+          <a:prstGeom prst="rect">
+            <a:avLst/>
+          </a:prstGeom>
+        </p:spPr>
+      </p:pic>
     </p:spTree>
     <p:extLst>
       <p:ext uri="{BB962C8B-B14F-4D97-AF65-F5344CB8AC3E}">
@@ -5821,12 +6529,6 @@
 </file>
 
 <file path=ppt/tags/tag4.xml><?xml version="1.0" encoding="utf-8"?>
-<p:tagLst xmlns:a="http://schemas.openxmlformats.org/drawingml/2006/main" xmlns:r="http://schemas.openxmlformats.org/officeDocument/2006/relationships" xmlns:p="http://schemas.openxmlformats.org/presentationml/2006/main">
-  <p:tag name="TIMING" val="|33.2|17"/>
-</p:tagLst>
-</file>
-
-<file path=ppt/tags/tag5.xml><?xml version="1.0" encoding="utf-8"?>
 <p:tagLst xmlns:a="http://schemas.openxmlformats.org/drawingml/2006/main" xmlns:r="http://schemas.openxmlformats.org/officeDocument/2006/relationships" xmlns:p="http://schemas.openxmlformats.org/presentationml/2006/main">
   <p:tag name="TIMING" val="|33.2|17"/>
 </p:tagLst>

--- a/doc/abschlusspraesentation/MeInfPro_Abschlusspräsentation_watch.pptx
+++ b/doc/abschlusspraesentation/MeInfPro_Abschlusspräsentation_watch.pptx
@@ -21,8 +21,8 @@
     <p:sldId id="293" r:id="rId9"/>
     <p:sldId id="289" r:id="rId10"/>
     <p:sldId id="284" r:id="rId11"/>
-    <p:sldId id="274" r:id="rId12"/>
-    <p:sldId id="263" r:id="rId13"/>
+    <p:sldId id="297" r:id="rId12"/>
+    <p:sldId id="296" r:id="rId13"/>
     <p:sldId id="276" r:id="rId14"/>
     <p:sldId id="280" r:id="rId15"/>
   </p:sldIdLst>
@@ -159,12 +159,12 @@
         <p14:section name="Hinweise" id="{56D9347E-C790-4216-A93D-C117F720C0C3}">
           <p14:sldIdLst>
             <p14:sldId id="284"/>
-            <p14:sldId id="274"/>
-            <p14:sldId id="263"/>
+            <p14:sldId id="297"/>
           </p14:sldIdLst>
         </p14:section>
         <p14:section name="Beispielseiten" id="{CA34319E-7765-4C8B-AD7F-242E6857A15E}">
           <p14:sldIdLst>
+            <p14:sldId id="296"/>
             <p14:sldId id="276"/>
             <p14:sldId id="280"/>
           </p14:sldIdLst>
@@ -4178,7 +4178,13 @@
       </p:grpSpPr>
       <p:sp>
         <p:nvSpPr>
-          <p:cNvPr id="6" name="Titel 5"/>
+          <p:cNvPr id="2" name="Title 1">
+            <a:extLst>
+              <a:ext uri="{FF2B5EF4-FFF2-40B4-BE49-F238E27FC236}">
+                <a16:creationId xmlns:a16="http://schemas.microsoft.com/office/drawing/2014/main" id="{D8328DDE-1863-85B4-BACC-3029EB3739A7}"/>
+              </a:ext>
+            </a:extLst>
+          </p:cNvPr>
           <p:cNvSpPr>
             <a:spLocks noGrp="1"/>
           </p:cNvSpPr>
@@ -4188,61 +4194,13 @@
         </p:nvSpPr>
         <p:spPr/>
         <p:txBody>
-          <a:bodyPr>
-            <a:normAutofit fontScale="90000"/>
-          </a:bodyPr>
-          <a:lstStyle/>
-          <a:p>
-            <a:r>
-              <a:rPr lang="de-DE" dirty="0"/>
-              <a:t>Showcase </a:t>
-            </a:r>
-            <a:br>
-              <a:rPr lang="de-DE" dirty="0"/>
-            </a:br>
-            <a:r>
-              <a:rPr lang="de-DE" b="0" dirty="0"/>
-              <a:t>Time </a:t>
-            </a:r>
-            <a:r>
-              <a:rPr lang="de-DE" b="0" dirty="0" err="1"/>
-              <a:t>to</a:t>
-            </a:r>
-            <a:r>
-              <a:rPr lang="de-DE" b="0" dirty="0"/>
-              <a:t> Show</a:t>
-            </a:r>
-            <a:br>
-              <a:rPr lang="de-DE" dirty="0"/>
-            </a:br>
-            <a:endParaRPr lang="de-DE" b="0" dirty="0"/>
-          </a:p>
-        </p:txBody>
-      </p:sp>
-      <p:sp>
-        <p:nvSpPr>
-          <p:cNvPr id="7" name="Inhaltsplatzhalter 6"/>
-          <p:cNvSpPr>
-            <a:spLocks noGrp="1"/>
-          </p:cNvSpPr>
-          <p:nvPr>
-            <p:ph sz="quarter" idx="10"/>
-          </p:nvPr>
-        </p:nvSpPr>
-        <p:spPr/>
-        <p:txBody>
           <a:bodyPr/>
           <a:lstStyle/>
           <a:p>
             <a:r>
-              <a:rPr lang="de-DE" dirty="0"/>
-              <a:t>Inhalt</a:t>
-            </a:r>
-          </a:p>
-          <a:p>
-            <a:endParaRPr lang="de-DE" dirty="0"/>
-          </a:p>
-          <a:p>
+              <a:rPr lang="en-GB" dirty="0"/>
+              <a:t>Demo</a:t>
+            </a:r>
             <a:endParaRPr lang="de-DE" dirty="0"/>
           </a:p>
         </p:txBody>
@@ -4250,7 +4208,7 @@
     </p:spTree>
     <p:extLst>
       <p:ext uri="{BB962C8B-B14F-4D97-AF65-F5344CB8AC3E}">
-        <p14:creationId xmlns:p14="http://schemas.microsoft.com/office/powerpoint/2010/main" val="2583966740"/>
+        <p14:creationId xmlns:p14="http://schemas.microsoft.com/office/powerpoint/2010/main" val="227041310"/>
       </p:ext>
     </p:extLst>
   </p:cSld>
@@ -4279,65 +4237,10 @@
       </p:grpSpPr>
       <p:sp>
         <p:nvSpPr>
-          <p:cNvPr id="2" name="Titel 1"/>
-          <p:cNvSpPr>
-            <a:spLocks noGrp="1"/>
-          </p:cNvSpPr>
-          <p:nvPr>
-            <p:ph type="title"/>
-          </p:nvPr>
-        </p:nvSpPr>
-        <p:spPr/>
-        <p:txBody>
-          <a:bodyPr/>
-          <a:lstStyle/>
-          <a:p>
-            <a:r>
-              <a:rPr lang="de-DE" dirty="0"/>
-              <a:t>Notfall Video</a:t>
-            </a:r>
-            <a:br>
-              <a:rPr lang="de-DE" dirty="0"/>
-            </a:br>
-            <a:r>
-              <a:rPr lang="de-DE" b="0" dirty="0"/>
-              <a:t>für den Fall der Fälle</a:t>
-            </a:r>
-            <a:br>
-              <a:rPr lang="de-DE" dirty="0"/>
-            </a:br>
-            <a:endParaRPr lang="de-DE" dirty="0"/>
-          </a:p>
-        </p:txBody>
-      </p:sp>
-      <p:sp>
-        <p:nvSpPr>
-          <p:cNvPr id="6" name="Textplatzhalter 5"/>
-          <p:cNvSpPr>
-            <a:spLocks noGrp="1"/>
-          </p:cNvSpPr>
-          <p:nvPr>
-            <p:ph type="body" sz="quarter" idx="14"/>
-          </p:nvPr>
-        </p:nvSpPr>
-        <p:spPr/>
-        <p:txBody>
-          <a:bodyPr/>
-          <a:lstStyle/>
-          <a:p>
-            <a:r>
-              <a:rPr lang="de-DE" dirty="0"/>
-              <a:t>Inhalt</a:t>
-            </a:r>
-          </a:p>
-        </p:txBody>
-      </p:sp>
-      <p:sp>
-        <p:nvSpPr>
-          <p:cNvPr id="4" name="Bildplatzhalter 3">
+          <p:cNvPr id="2" name="Title 1">
             <a:extLst>
               <a:ext uri="{FF2B5EF4-FFF2-40B4-BE49-F238E27FC236}">
-                <a16:creationId xmlns:a16="http://schemas.microsoft.com/office/drawing/2014/main" id="{159064BD-D110-DE66-8B88-83CFB119FEB0}"/>
+                <a16:creationId xmlns:a16="http://schemas.microsoft.com/office/drawing/2014/main" id="{86465915-7CD9-D525-93A6-6293C6412578}"/>
               </a:ext>
             </a:extLst>
           </p:cNvPr>
@@ -4345,27 +4248,239 @@
             <a:spLocks noGrp="1"/>
           </p:cNvSpPr>
           <p:nvPr>
-            <p:ph type="pic" sz="quarter" idx="13"/>
+            <p:ph type="title"/>
           </p:nvPr>
         </p:nvSpPr>
-        <p:spPr>
-          <a:xfrm>
-            <a:off x="4572001" y="1402773"/>
-            <a:ext cx="3605646" cy="4381646"/>
-          </a:xfrm>
-        </p:spPr>
+        <p:spPr/>
         <p:txBody>
           <a:bodyPr/>
           <a:lstStyle/>
           <a:p>
             <a:r>
-              <a:rPr lang="de-DE" dirty="0"/>
-              <a:t>Bild </a:t>
-            </a:r>
-            <a:r>
-              <a:rPr lang="de-DE" dirty="0" err="1"/>
-              <a:t>z.b.</a:t>
-            </a:r>
+              <a:rPr lang="en-GB" dirty="0" err="1"/>
+              <a:t>Ausblick</a:t>
+            </a:r>
+            <a:br>
+              <a:rPr lang="en-GB" dirty="0"/>
+            </a:br>
+            <a:r>
+              <a:rPr lang="en-GB" b="0" dirty="0" err="1"/>
+              <a:t>Prototyp</a:t>
+            </a:r>
+            <a:r>
+              <a:rPr lang="en-GB" b="0" dirty="0"/>
+              <a:t> </a:t>
+            </a:r>
+            <a:r>
+              <a:rPr lang="en-GB" b="0" dirty="0" err="1"/>
+              <a:t>zu</a:t>
+            </a:r>
+            <a:r>
+              <a:rPr lang="en-GB" b="0" dirty="0"/>
+              <a:t> </a:t>
+            </a:r>
+            <a:r>
+              <a:rPr lang="en-GB" b="0" dirty="0" err="1"/>
+              <a:t>Produkt</a:t>
+            </a:r>
+            <a:endParaRPr lang="de-DE" b="0" dirty="0"/>
+          </a:p>
+        </p:txBody>
+      </p:sp>
+      <p:sp>
+        <p:nvSpPr>
+          <p:cNvPr id="3" name="Content Placeholder 2">
+            <a:extLst>
+              <a:ext uri="{FF2B5EF4-FFF2-40B4-BE49-F238E27FC236}">
+                <a16:creationId xmlns:a16="http://schemas.microsoft.com/office/drawing/2014/main" id="{D73B6936-80BB-2DB8-4D01-3E035CF891D1}"/>
+              </a:ext>
+            </a:extLst>
+          </p:cNvPr>
+          <p:cNvSpPr>
+            <a:spLocks noGrp="1"/>
+          </p:cNvSpPr>
+          <p:nvPr>
+            <p:ph sz="quarter" idx="10"/>
+          </p:nvPr>
+        </p:nvSpPr>
+        <p:spPr/>
+        <p:txBody>
+          <a:bodyPr/>
+          <a:lstStyle/>
+          <a:p>
+            <a:pPr marL="285750" indent="-285750">
+              <a:buFont typeface="Arial" panose="020B0604020202020204" pitchFamily="34" charset="0"/>
+              <a:buChar char="•"/>
+            </a:pPr>
+            <a:r>
+              <a:rPr lang="en-GB" dirty="0" err="1"/>
+              <a:t>Sensoren</a:t>
+            </a:r>
+            <a:r>
+              <a:rPr lang="en-GB" dirty="0"/>
+              <a:t> und Kabel </a:t>
+            </a:r>
+            <a:r>
+              <a:rPr lang="en-GB" dirty="0" err="1"/>
+              <a:t>als</a:t>
+            </a:r>
+            <a:r>
+              <a:rPr lang="en-GB" dirty="0"/>
+              <a:t> IC </a:t>
+            </a:r>
+            <a:r>
+              <a:rPr lang="en-GB" dirty="0" err="1"/>
+              <a:t>im</a:t>
+            </a:r>
+            <a:r>
+              <a:rPr lang="en-GB" dirty="0"/>
+              <a:t> Armband </a:t>
+            </a:r>
+            <a:r>
+              <a:rPr lang="en-GB" dirty="0" err="1"/>
+              <a:t>untergebracht</a:t>
+            </a:r>
+            <a:endParaRPr lang="en-GB" dirty="0"/>
+          </a:p>
+          <a:p>
+            <a:pPr marL="681750" lvl="1" indent="-285750">
+              <a:buFont typeface="Arial" panose="020B0604020202020204" pitchFamily="34" charset="0"/>
+              <a:buChar char="•"/>
+            </a:pPr>
+            <a:r>
+              <a:rPr lang="en-GB" dirty="0" err="1"/>
+              <a:t>Uhr</a:t>
+            </a:r>
+            <a:r>
+              <a:rPr lang="en-GB" dirty="0"/>
+              <a:t> </a:t>
+            </a:r>
+            <a:r>
+              <a:rPr lang="en-GB" dirty="0" err="1"/>
+              <a:t>verarbeitet</a:t>
+            </a:r>
+            <a:r>
+              <a:rPr lang="en-GB" dirty="0"/>
+              <a:t> </a:t>
+            </a:r>
+            <a:r>
+              <a:rPr lang="en-GB" dirty="0" err="1"/>
+              <a:t>erhobene</a:t>
+            </a:r>
+            <a:r>
+              <a:rPr lang="en-GB" dirty="0"/>
+              <a:t> </a:t>
+            </a:r>
+            <a:r>
+              <a:rPr lang="en-GB" dirty="0" err="1"/>
+              <a:t>Daten</a:t>
+            </a:r>
+            <a:endParaRPr lang="en-GB" dirty="0"/>
+          </a:p>
+          <a:p>
+            <a:pPr marL="681750" lvl="1" indent="-285750">
+              <a:buFont typeface="Arial" panose="020B0604020202020204" pitchFamily="34" charset="0"/>
+              <a:buChar char="•"/>
+            </a:pPr>
+            <a:r>
+              <a:rPr lang="en-GB" dirty="0" err="1"/>
+              <a:t>Stromversorgung</a:t>
+            </a:r>
+            <a:r>
+              <a:rPr lang="en-GB" dirty="0"/>
+              <a:t> via </a:t>
+            </a:r>
+            <a:r>
+              <a:rPr lang="en-GB" dirty="0" err="1"/>
+              <a:t>Uhr</a:t>
+            </a:r>
+            <a:endParaRPr lang="en-GB" dirty="0"/>
+          </a:p>
+          <a:p>
+            <a:pPr marL="285750" indent="-285750">
+              <a:buFont typeface="Arial" panose="020B0604020202020204" pitchFamily="34" charset="0"/>
+              <a:buChar char="•"/>
+            </a:pPr>
+            <a:r>
+              <a:rPr lang="en-GB" dirty="0"/>
+              <a:t>Integration von </a:t>
+            </a:r>
+            <a:r>
+              <a:rPr lang="en-GB" dirty="0" err="1"/>
+              <a:t>haptischen</a:t>
+            </a:r>
+            <a:r>
+              <a:rPr lang="en-GB" dirty="0"/>
+              <a:t> Feedback via </a:t>
+            </a:r>
+            <a:r>
+              <a:rPr lang="en-GB" dirty="0" err="1"/>
+              <a:t>Uhr</a:t>
+            </a:r>
+            <a:endParaRPr lang="en-GB" dirty="0"/>
+          </a:p>
+          <a:p>
+            <a:pPr marL="285750" indent="-285750">
+              <a:buFont typeface="Arial" panose="020B0604020202020204" pitchFamily="34" charset="0"/>
+              <a:buChar char="•"/>
+            </a:pPr>
+            <a:r>
+              <a:rPr lang="en-GB" dirty="0" err="1"/>
+              <a:t>Eingabefilter</a:t>
+            </a:r>
+            <a:r>
+              <a:rPr lang="en-GB" dirty="0"/>
+              <a:t> via </a:t>
+            </a:r>
+            <a:r>
+              <a:rPr lang="en-GB" dirty="0" err="1"/>
+              <a:t>Gyroskop</a:t>
+            </a:r>
+            <a:endParaRPr lang="en-GB" dirty="0"/>
+          </a:p>
+          <a:p>
+            <a:pPr marL="285750" indent="-285750">
+              <a:buFont typeface="Arial" panose="020B0604020202020204" pitchFamily="34" charset="0"/>
+              <a:buChar char="•"/>
+            </a:pPr>
+            <a:r>
+              <a:rPr lang="en-GB" dirty="0" err="1"/>
+              <a:t>Ausrichtung</a:t>
+            </a:r>
+            <a:r>
+              <a:rPr lang="en-GB" dirty="0"/>
+              <a:t> der AR </a:t>
+            </a:r>
+            <a:r>
+              <a:rPr lang="en-GB" dirty="0" err="1"/>
+              <a:t>Inhalte</a:t>
+            </a:r>
+            <a:r>
+              <a:rPr lang="en-GB" dirty="0"/>
+              <a:t> </a:t>
+            </a:r>
+            <a:r>
+              <a:rPr lang="en-GB" dirty="0" err="1"/>
+              <a:t>mit</a:t>
+            </a:r>
+            <a:r>
+              <a:rPr lang="en-GB" dirty="0"/>
+              <a:t> MEMS und/</a:t>
+            </a:r>
+            <a:r>
+              <a:rPr lang="en-GB" dirty="0" err="1"/>
+              <a:t>oder</a:t>
+            </a:r>
+            <a:r>
+              <a:rPr lang="en-GB" dirty="0"/>
+              <a:t> “hand tracking”</a:t>
+            </a:r>
+          </a:p>
+          <a:p>
+            <a:pPr marL="285750" indent="-285750">
+              <a:buFont typeface="Arial" panose="020B0604020202020204" pitchFamily="34" charset="0"/>
+              <a:buChar char="•"/>
+            </a:pPr>
             <a:endParaRPr lang="de-DE" dirty="0"/>
           </a:p>
         </p:txBody>
@@ -4373,7 +4488,7 @@
     </p:spTree>
     <p:extLst>
       <p:ext uri="{BB962C8B-B14F-4D97-AF65-F5344CB8AC3E}">
-        <p14:creationId xmlns:p14="http://schemas.microsoft.com/office/powerpoint/2010/main" val="3658853656"/>
+        <p14:creationId xmlns:p14="http://schemas.microsoft.com/office/powerpoint/2010/main" val="957124189"/>
       </p:ext>
     </p:extLst>
   </p:cSld>
@@ -4423,16 +4538,8 @@
                 </a:solidFill>
                 <a:latin typeface="+mj-lt"/>
               </a:rPr>
-              <a:t>Ausblick</a:t>
-            </a:r>
-            <a:br>
-              <a:rPr lang="de-DE" sz="3200" b="1" dirty="0">
-                <a:solidFill>
-                  <a:schemeClr val="bg1"/>
-                </a:solidFill>
-                <a:latin typeface="+mj-lt"/>
-              </a:rPr>
-            </a:br>
+              <a:t>Fragerunde</a:t>
+            </a:r>
             <a:endParaRPr lang="de-DE" sz="3200" dirty="0">
               <a:solidFill>
                 <a:schemeClr val="bg1"/>
@@ -4541,6 +4648,93 @@
             </a:r>
           </a:p>
           <a:p>
+            <a:pPr lvl="3"/>
+            <a:r>
+              <a:rPr lang="en-GB" b="0" i="0" u="none" strike="noStrike" dirty="0">
+                <a:solidFill>
+                  <a:srgbClr val="000000"/>
+                </a:solidFill>
+                <a:effectLst/>
+                <a:latin typeface="Arial" panose="020B0604020202020204" pitchFamily="34" charset="0"/>
+              </a:rPr>
+              <a:t>[1] url: </a:t>
+            </a:r>
+            <a:r>
+              <a:rPr lang="en-GB" b="0" i="0" u="sng" strike="noStrike" dirty="0">
+                <a:solidFill>
+                  <a:srgbClr val="0069B4"/>
+                </a:solidFill>
+                <a:effectLst/>
+                <a:latin typeface="Arial" panose="020B0604020202020204" pitchFamily="34" charset="0"/>
+                <a:hlinkClick r:id="rId2"/>
+              </a:rPr>
+              <a:t>https://img.fruugo.com/product/4/29/859787294_max.jpg</a:t>
+            </a:r>
+            <a:r>
+              <a:rPr lang="en-GB" b="0" i="0" u="none" strike="noStrike" dirty="0">
+                <a:solidFill>
+                  <a:srgbClr val="000000"/>
+                </a:solidFill>
+                <a:effectLst/>
+                <a:latin typeface="Arial" panose="020B0604020202020204" pitchFamily="34" charset="0"/>
+              </a:rPr>
+              <a:t>, last visited: 06.06.23</a:t>
+            </a:r>
+          </a:p>
+          <a:p>
+            <a:pPr lvl="3"/>
+            <a:r>
+              <a:rPr lang="en-GB" dirty="0" err="1">
+                <a:solidFill>
+                  <a:srgbClr val="000000"/>
+                </a:solidFill>
+                <a:latin typeface="Arial" panose="020B0604020202020204" pitchFamily="34" charset="0"/>
+              </a:rPr>
+              <a:t>restliche</a:t>
+            </a:r>
+            <a:r>
+              <a:rPr lang="en-GB" dirty="0">
+                <a:solidFill>
+                  <a:srgbClr val="000000"/>
+                </a:solidFill>
+                <a:latin typeface="Arial" panose="020B0604020202020204" pitchFamily="34" charset="0"/>
+              </a:rPr>
+              <a:t> </a:t>
+            </a:r>
+            <a:r>
+              <a:rPr lang="en-GB" dirty="0" err="1">
+                <a:solidFill>
+                  <a:srgbClr val="000000"/>
+                </a:solidFill>
+                <a:latin typeface="Arial" panose="020B0604020202020204" pitchFamily="34" charset="0"/>
+              </a:rPr>
+              <a:t>Bilder</a:t>
+            </a:r>
+            <a:r>
+              <a:rPr lang="en-GB" dirty="0">
+                <a:solidFill>
+                  <a:srgbClr val="000000"/>
+                </a:solidFill>
+                <a:latin typeface="Arial" panose="020B0604020202020204" pitchFamily="34" charset="0"/>
+              </a:rPr>
+              <a:t> </a:t>
+            </a:r>
+            <a:r>
+              <a:rPr lang="de-DE" dirty="0"/>
+              <a:t>©</a:t>
+            </a:r>
+            <a:r>
+              <a:rPr lang="en-GB" dirty="0">
+                <a:solidFill>
+                  <a:srgbClr val="000000"/>
+                </a:solidFill>
+                <a:latin typeface="Arial" panose="020B0604020202020204" pitchFamily="34" charset="0"/>
+              </a:rPr>
+              <a:t> Florian Röder 2023/24</a:t>
+            </a:r>
+            <a:endParaRPr lang="de-DE" dirty="0"/>
+          </a:p>
+          <a:p>
             <a:pPr lvl="1"/>
             <a:r>
               <a:rPr lang="de-DE" dirty="0"/>
@@ -4700,11 +4894,6 @@
               <a:rPr lang="de-DE" dirty="0"/>
               <a:t>Der Sketch </a:t>
             </a:r>
-            <a:r>
-              <a:rPr lang="de-DE" dirty="0" err="1"/>
-              <a:t>flo</a:t>
-            </a:r>
-            <a:endParaRPr lang="de-DE" dirty="0"/>
           </a:p>
           <a:p>
             <a:r>
@@ -4716,13 +4905,8 @@
             <a:pPr lvl="1"/>
             <a:r>
               <a:rPr lang="de-DE" dirty="0"/>
-              <a:t>Die Teilbereiche </a:t>
-            </a:r>
-            <a:r>
-              <a:rPr lang="de-DE" dirty="0" err="1"/>
-              <a:t>flo</a:t>
-            </a:r>
-            <a:endParaRPr lang="de-DE" dirty="0"/>
+              <a:t>Die Teilbereiche</a:t>
+            </a:r>
           </a:p>
           <a:p>
             <a:pPr lvl="1"/>
@@ -4730,11 +4914,6 @@
               <a:rPr lang="de-DE" dirty="0"/>
               <a:t>Das Armband </a:t>
             </a:r>
-            <a:r>
-              <a:rPr lang="de-DE" dirty="0" err="1"/>
-              <a:t>flo</a:t>
-            </a:r>
-            <a:endParaRPr lang="de-DE" dirty="0"/>
           </a:p>
           <a:p>
             <a:pPr lvl="1"/>
@@ -4742,17 +4921,12 @@
               <a:rPr lang="de-DE" dirty="0"/>
               <a:t>Smartwatch App </a:t>
             </a:r>
-            <a:r>
-              <a:rPr lang="de-DE" dirty="0" err="1"/>
-              <a:t>yo</a:t>
-            </a:r>
-            <a:endParaRPr lang="de-DE" dirty="0"/>
           </a:p>
           <a:p>
             <a:pPr lvl="1"/>
             <a:r>
               <a:rPr lang="de-DE" dirty="0"/>
-              <a:t>Mixed Reality Ansicht di</a:t>
+              <a:t>Mixed Reality Ansicht </a:t>
             </a:r>
           </a:p>
           <a:p>
@@ -4765,10 +4939,9 @@
           <a:p>
             <a:pPr lvl="1"/>
             <a:r>
-              <a:rPr lang="de-DE" dirty="0" err="1"/>
-              <a:t>Showcaseflo</a:t>
-            </a:r>
-            <a:endParaRPr lang="de-DE" dirty="0"/>
+              <a:rPr lang="de-DE" dirty="0"/>
+              <a:t>Showcase</a:t>
+            </a:r>
           </a:p>
           <a:p>
             <a:pPr lvl="1"/>
@@ -4776,25 +4949,14 @@
               <a:rPr lang="de-DE" dirty="0"/>
               <a:t>Notfall Video </a:t>
             </a:r>
-            <a:r>
-              <a:rPr lang="de-DE" dirty="0" err="1"/>
-              <a:t>yo</a:t>
-            </a:r>
-            <a:endParaRPr lang="de-DE" dirty="0"/>
           </a:p>
           <a:p>
             <a:r>
               <a:rPr lang="de-DE" b="1" dirty="0"/>
               <a:t>Ausblick </a:t>
             </a:r>
-            <a:r>
-              <a:rPr lang="de-DE" b="1"/>
-              <a:t>flo</a:t>
-            </a:r>
-            <a:endParaRPr lang="de-DE" dirty="0"/>
-          </a:p>
-          <a:p>
-            <a:pPr lvl="1"/>
+          </a:p>
+          <a:p>
             <a:r>
               <a:rPr lang="de-DE" dirty="0"/>
               <a:t>Quellen</a:t>
@@ -5505,10 +5667,6 @@
               <a:buFont typeface="Arial" panose="020B0604020202020204" pitchFamily="34" charset="0"/>
               <a:buChar char="•"/>
             </a:pPr>
-            <a:r>
-              <a:rPr lang="en-GB" dirty="0" err="1"/>
-              <a:t>Präsentation</a:t>
-            </a:r>
             <a:endParaRPr lang="en-GB" dirty="0"/>
           </a:p>
           <a:p>
@@ -5584,10 +5742,24 @@
               <a:buFont typeface="Arial" panose="020B0604020202020204" pitchFamily="34" charset="0"/>
               <a:buChar char="•"/>
             </a:pPr>
+            <a:endParaRPr lang="de-DE" dirty="0"/>
+          </a:p>
+          <a:p>
+            <a:pPr marL="285750" indent="-285750">
+              <a:buFont typeface="Arial" panose="020B0604020202020204" pitchFamily="34" charset="0"/>
+              <a:buChar char="•"/>
+            </a:pPr>
             <a:r>
               <a:rPr lang="de-DE" dirty="0"/>
               <a:t>Dieter</a:t>
             </a:r>
+          </a:p>
+          <a:p>
+            <a:pPr marL="285750" indent="-285750">
+              <a:buFont typeface="Arial" panose="020B0604020202020204" pitchFamily="34" charset="0"/>
+              <a:buChar char="•"/>
+            </a:pPr>
+            <a:endParaRPr lang="de-DE" dirty="0"/>
           </a:p>
           <a:p>
             <a:pPr marL="285750" indent="-285750">
@@ -5658,6 +5830,13 @@
               <a:rPr lang="de-DE" dirty="0"/>
               <a:t>Netzwerkkommunikation</a:t>
             </a:r>
+          </a:p>
+          <a:p>
+            <a:pPr marL="285750" indent="-285750">
+              <a:buFont typeface="Arial" panose="020B0604020202020204" pitchFamily="34" charset="0"/>
+              <a:buChar char="•"/>
+            </a:pPr>
+            <a:endParaRPr lang="de-DE" dirty="0"/>
           </a:p>
           <a:p>
             <a:pPr marL="285750" indent="-285750">
@@ -5753,16 +5932,16 @@
           <a:lstStyle/>
           <a:p>
             <a:pPr algn="ctr"/>
-            <a:endParaRPr lang="de-DE" b="1"/>
+            <a:endParaRPr lang="de-DE" b="1" dirty="0"/>
           </a:p>
           <a:p>
             <a:pPr algn="ctr"/>
-            <a:endParaRPr lang="de-DE" b="1"/>
+            <a:endParaRPr lang="de-DE" b="1" dirty="0"/>
           </a:p>
           <a:p>
             <a:pPr algn="ctr"/>
             <a:r>
-              <a:rPr lang="de-DE" b="1"/>
+              <a:rPr lang="de-DE" b="1" dirty="0"/>
               <a:t>Arduino Datenpipeline</a:t>
             </a:r>
           </a:p>
@@ -5771,7 +5950,7 @@
               <a:buFont typeface="+mj-lt"/>
               <a:buAutoNum type="arabicPeriod"/>
             </a:pPr>
-            <a:endParaRPr lang="de-DE"/>
+            <a:endParaRPr lang="de-DE" dirty="0"/>
           </a:p>
           <a:p>
             <a:pPr marL="342900" indent="-342900">
@@ -5779,7 +5958,7 @@
               <a:buAutoNum type="arabicPeriod"/>
             </a:pPr>
             <a:r>
-              <a:rPr lang="de-DE"/>
+              <a:rPr lang="de-DE" dirty="0"/>
               <a:t>lese Sensordaten</a:t>
             </a:r>
           </a:p>
@@ -5789,7 +5968,7 @@
               <a:buAutoNum type="arabicPeriod"/>
             </a:pPr>
             <a:r>
-              <a:rPr lang="de-DE"/>
+              <a:rPr lang="de-DE" dirty="0"/>
               <a:t>filtern für intentionalen Input</a:t>
             </a:r>
           </a:p>
@@ -5799,7 +5978,7 @@
               <a:buAutoNum type="arabicPeriod"/>
             </a:pPr>
             <a:r>
-              <a:rPr lang="de-DE"/>
+              <a:rPr lang="de-DE" dirty="0"/>
               <a:t>Verwerfe Noise</a:t>
             </a:r>
           </a:p>
@@ -5809,9 +5988,18 @@
               <a:buAutoNum type="arabicPeriod"/>
             </a:pPr>
             <a:r>
-              <a:rPr lang="de-DE"/>
-              <a:t>remap ADS Overreadings</a:t>
-            </a:r>
+              <a:rPr lang="de-DE" dirty="0" err="1"/>
+              <a:t>remap</a:t>
+            </a:r>
+            <a:r>
+              <a:rPr lang="de-DE" dirty="0"/>
+              <a:t> ADS </a:t>
+            </a:r>
+            <a:r>
+              <a:rPr lang="de-DE" dirty="0" err="1"/>
+              <a:t>overreadings</a:t>
+            </a:r>
+            <a:endParaRPr lang="de-DE" dirty="0"/>
           </a:p>
           <a:p>
             <a:pPr marL="342900" indent="-342900">
@@ -5819,7 +6007,7 @@
               <a:buAutoNum type="arabicPeriod"/>
             </a:pPr>
             <a:r>
-              <a:rPr lang="de-DE"/>
+              <a:rPr lang="de-DE" dirty="0"/>
               <a:t>send via TCP</a:t>
             </a:r>
           </a:p>
@@ -5828,7 +6016,7 @@
               <a:buFont typeface="+mj-lt"/>
               <a:buAutoNum type="arabicPeriod"/>
             </a:pPr>
-            <a:endParaRPr lang="de-DE"/>
+            <a:endParaRPr lang="de-DE" dirty="0"/>
           </a:p>
           <a:p>
             <a:endParaRPr lang="de-DE" dirty="0"/>
